--- a/组会/时间系统.pptx
+++ b/组会/时间系统.pptx
@@ -305,7 +305,7 @@
           <a:p>
             <a:fld id="{A95DAAA7-2421-4796-B52D-4C2B2BDF460B}" type="datetimeFigureOut">
               <a:rPr lang="zh-CN" altLang="en-US" smtClean="0"/>
-              <a:t>2024/11/22</a:t>
+              <a:t>2024/12/7</a:t>
             </a:fld>
             <a:endParaRPr lang="zh-CN" altLang="en-US"/>
           </a:p>
@@ -4760,6 +4760,14 @@
               <a:rPr lang="zh-CN" altLang="en-US" dirty="0"/>
               <a:t>杨哲</a:t>
             </a:r>
+            <a:endParaRPr lang="en-US" altLang="zh-CN" dirty="0"/>
+          </a:p>
+          <a:p>
+            <a:r>
+              <a:rPr lang="en-US" altLang="zh-CN"/>
+              <a:t>11.24</a:t>
+            </a:r>
+            <a:endParaRPr lang="zh-CN" altLang="en-US" dirty="0"/>
           </a:p>
         </p:txBody>
       </p:sp>
@@ -5287,8 +5295,8 @@
           </a:p>
         </p:txBody>
       </p:sp>
-      <mc:AlternateContent xmlns:mc="http://schemas.openxmlformats.org/markup-compatibility/2006">
-        <mc:Choice xmlns:a14="http://schemas.microsoft.com/office/drawing/2010/main" Requires="a14">
+      <mc:AlternateContent xmlns:mc="http://schemas.openxmlformats.org/markup-compatibility/2006" xmlns:a14="http://schemas.microsoft.com/office/drawing/2010/main">
+        <mc:Choice Requires="a14">
           <p:sp>
             <p:nvSpPr>
               <p:cNvPr id="3" name="内容占位符 2">
@@ -5487,7 +5495,7 @@
             </p:txBody>
           </p:sp>
         </mc:Choice>
-        <mc:Fallback>
+        <mc:Fallback xmlns="">
           <p:sp>
             <p:nvSpPr>
               <p:cNvPr id="3" name="内容占位符 2">
@@ -8794,8 +8802,8 @@
           </a:prstGeom>
         </p:spPr>
       </p:pic>
-      <mc:AlternateContent xmlns:mc="http://schemas.openxmlformats.org/markup-compatibility/2006">
-        <mc:Choice xmlns:p14="http://schemas.microsoft.com/office/powerpoint/2010/main" Requires="p14">
+      <mc:AlternateContent xmlns:mc="http://schemas.openxmlformats.org/markup-compatibility/2006" xmlns:p14="http://schemas.microsoft.com/office/powerpoint/2010/main">
+        <mc:Choice Requires="p14">
           <p:contentPart p14:bwMode="auto" r:id="rId5">
             <p14:nvContentPartPr>
               <p14:cNvPr id="3" name="墨迹 2">
@@ -8814,7 +8822,7 @@
             </p14:xfrm>
           </p:contentPart>
         </mc:Choice>
-        <mc:Fallback>
+        <mc:Fallback xmlns="">
           <p:pic>
             <p:nvPicPr>
               <p:cNvPr id="3" name="墨迹 2">
@@ -9007,8 +9015,8 @@
           </a:prstGeom>
         </p:spPr>
       </p:pic>
-      <mc:AlternateContent xmlns:mc="http://schemas.openxmlformats.org/markup-compatibility/2006">
-        <mc:Choice xmlns:p14="http://schemas.microsoft.com/office/powerpoint/2010/main" Requires="p14">
+      <mc:AlternateContent xmlns:mc="http://schemas.openxmlformats.org/markup-compatibility/2006" xmlns:p14="http://schemas.microsoft.com/office/powerpoint/2010/main">
+        <mc:Choice Requires="p14">
           <p:contentPart p14:bwMode="auto" r:id="rId3">
             <p14:nvContentPartPr>
               <p14:cNvPr id="4" name="墨迹 3">
@@ -9027,7 +9035,7 @@
             </p14:xfrm>
           </p:contentPart>
         </mc:Choice>
-        <mc:Fallback>
+        <mc:Fallback xmlns="">
           <p:pic>
             <p:nvPicPr>
               <p:cNvPr id="4" name="墨迹 3">
